--- a/devdocs/EnvNoiseDetectorPosterExampleWhite.pptx
+++ b/devdocs/EnvNoiseDetectorPosterExampleWhite.pptx
@@ -129,8 +129,7 @@
 <file path=ppt/revisionInfo.xml><?xml version="1.0" encoding="utf-8"?>
 <p1510:revInfo xmlns:a="http://schemas.openxmlformats.org/drawingml/2006/main" xmlns:r="http://schemas.openxmlformats.org/officeDocument/2006/relationships" xmlns:p1510="http://schemas.microsoft.com/office/powerpoint/2015/10/main">
   <p1510:revLst>
-    <p1510:client id="{BAB375EC-1736-4FBE-AAD6-8B43B5C28312}" v="12" dt="2019-03-02T23:34:29.389"/>
-    <p1510:client id="{58067109-0070-4A32-88E0-864D70C90904}" v="10" dt="2019-03-03T03:38:07.557"/>
+    <p1510:client id="{95BF0B47-37B5-44C5-8094-7DDC7EA9E82A}" v="2" dt="2019-03-04T04:43:02.128"/>
   </p1510:revLst>
 </p1510:revInfo>
 </file>
@@ -220,6 +219,30 @@
             <pc:docMk/>
             <pc:sldMk cId="2702275411" sldId="256"/>
             <ac:spMk id="35" creationId="{D661B552-E9B7-4995-A5A5-635F2BECC199}"/>
+          </ac:spMkLst>
+        </pc:spChg>
+      </pc:sldChg>
+    </pc:docChg>
+  </pc:docChgLst>
+  <pc:docChgLst>
+    <pc:chgData name="Todd Schultz" userId="ba2af144d448b369" providerId="LiveId" clId="{5BB63033-66C0-43C8-90EA-7E660E972B43}"/>
+    <pc:docChg chg="modSld">
+      <pc:chgData name="Todd Schultz" userId="ba2af144d448b369" providerId="LiveId" clId="{5BB63033-66C0-43C8-90EA-7E660E972B43}" dt="2019-02-28T02:06:17.850" v="12" actId="20577"/>
+      <pc:docMkLst>
+        <pc:docMk/>
+      </pc:docMkLst>
+      <pc:sldChg chg="modSp">
+        <pc:chgData name="Todd Schultz" userId="ba2af144d448b369" providerId="LiveId" clId="{5BB63033-66C0-43C8-90EA-7E660E972B43}" dt="2019-02-28T02:06:17.850" v="12" actId="20577"/>
+        <pc:sldMkLst>
+          <pc:docMk/>
+          <pc:sldMk cId="2702275411" sldId="256"/>
+        </pc:sldMkLst>
+        <pc:spChg chg="mod">
+          <ac:chgData name="Todd Schultz" userId="ba2af144d448b369" providerId="LiveId" clId="{5BB63033-66C0-43C8-90EA-7E660E972B43}" dt="2019-02-28T02:06:17.850" v="12" actId="20577"/>
+          <ac:spMkLst>
+            <pc:docMk/>
+            <pc:sldMk cId="2702275411" sldId="256"/>
+            <ac:spMk id="27" creationId="{4D175D9D-1009-468A-A739-F755DB191293}"/>
           </ac:spMkLst>
         </pc:spChg>
       </pc:sldChg>
@@ -322,24 +345,48 @@
     </pc:docChg>
   </pc:docChgLst>
   <pc:docChgLst>
-    <pc:chgData name="Todd Schultz" userId="ba2af144d448b369" providerId="LiveId" clId="{5BB63033-66C0-43C8-90EA-7E660E972B43}"/>
-    <pc:docChg chg="modSld">
-      <pc:chgData name="Todd Schultz" userId="ba2af144d448b369" providerId="LiveId" clId="{5BB63033-66C0-43C8-90EA-7E660E972B43}" dt="2019-02-28T02:06:17.850" v="12" actId="20577"/>
+    <pc:chgData name="Todd Schultz" userId="ba2af144d448b369" providerId="LiveId" clId="{95BF0B47-37B5-44C5-8094-7DDC7EA9E82A}"/>
+    <pc:docChg chg="undo custSel modSld">
+      <pc:chgData name="Todd Schultz" userId="ba2af144d448b369" providerId="LiveId" clId="{95BF0B47-37B5-44C5-8094-7DDC7EA9E82A}" dt="2019-03-04T04:46:18.854" v="1410" actId="20577"/>
       <pc:docMkLst>
         <pc:docMk/>
       </pc:docMkLst>
-      <pc:sldChg chg="modSp">
-        <pc:chgData name="Todd Schultz" userId="ba2af144d448b369" providerId="LiveId" clId="{5BB63033-66C0-43C8-90EA-7E660E972B43}" dt="2019-02-28T02:06:17.850" v="12" actId="20577"/>
+      <pc:sldChg chg="addSp modSp">
+        <pc:chgData name="Todd Schultz" userId="ba2af144d448b369" providerId="LiveId" clId="{95BF0B47-37B5-44C5-8094-7DDC7EA9E82A}" dt="2019-03-04T04:46:18.854" v="1410" actId="20577"/>
         <pc:sldMkLst>
           <pc:docMk/>
           <pc:sldMk cId="2702275411" sldId="256"/>
         </pc:sldMkLst>
         <pc:spChg chg="mod">
-          <ac:chgData name="Todd Schultz" userId="ba2af144d448b369" providerId="LiveId" clId="{5BB63033-66C0-43C8-90EA-7E660E972B43}" dt="2019-02-28T02:06:17.850" v="12" actId="20577"/>
+          <ac:chgData name="Todd Schultz" userId="ba2af144d448b369" providerId="LiveId" clId="{95BF0B47-37B5-44C5-8094-7DDC7EA9E82A}" dt="2019-03-04T04:42:56.611" v="996" actId="6549"/>
           <ac:spMkLst>
             <pc:docMk/>
             <pc:sldMk cId="2702275411" sldId="256"/>
-            <ac:spMk id="27" creationId="{4D175D9D-1009-468A-A739-F755DB191293}"/>
+            <ac:spMk id="12" creationId="{ABFE4BB7-8726-4693-B636-467330B3CE31}"/>
+          </ac:spMkLst>
+        </pc:spChg>
+        <pc:spChg chg="mod">
+          <ac:chgData name="Todd Schultz" userId="ba2af144d448b369" providerId="LiveId" clId="{95BF0B47-37B5-44C5-8094-7DDC7EA9E82A}" dt="2019-03-04T04:46:18.854" v="1410" actId="20577"/>
+          <ac:spMkLst>
+            <pc:docMk/>
+            <pc:sldMk cId="2702275411" sldId="256"/>
+            <ac:spMk id="13" creationId="{66802A07-8FC0-4428-85DD-AC54AA97936A}"/>
+          </ac:spMkLst>
+        </pc:spChg>
+        <pc:spChg chg="add mod">
+          <ac:chgData name="Todd Schultz" userId="ba2af144d448b369" providerId="LiveId" clId="{95BF0B47-37B5-44C5-8094-7DDC7EA9E82A}" dt="2019-03-04T04:45:52.455" v="1364" actId="1036"/>
+          <ac:spMkLst>
+            <pc:docMk/>
+            <pc:sldMk cId="2702275411" sldId="256"/>
+            <ac:spMk id="43" creationId="{705A9662-156B-4643-BFA1-6792F4852C8C}"/>
+          </ac:spMkLst>
+        </pc:spChg>
+        <pc:spChg chg="add mod">
+          <ac:chgData name="Todd Schultz" userId="ba2af144d448b369" providerId="LiveId" clId="{95BF0B47-37B5-44C5-8094-7DDC7EA9E82A}" dt="2019-03-04T04:45:49.143" v="1335" actId="1036"/>
+          <ac:spMkLst>
+            <pc:docMk/>
+            <pc:sldMk cId="2702275411" sldId="256"/>
+            <ac:spMk id="44" creationId="{A276ECBD-802E-4A0D-8AD5-6DD0E12515EB}"/>
           </ac:spMkLst>
         </pc:spChg>
       </pc:sldChg>
@@ -4134,7 +4181,7 @@
                 <a:ea typeface="Open Sans" panose="020B0606030504020204" pitchFamily="34" charset="0"/>
                 <a:cs typeface="Open Sans" panose="020B0606030504020204" pitchFamily="34" charset="0"/>
               </a:rPr>
-              <a:t>Recommendations</a:t>
+              <a:t>Results</a:t>
             </a:r>
           </a:p>
         </p:txBody>
@@ -4154,7 +4201,7 @@
         <p:spPr>
           <a:xfrm>
             <a:off x="34749292" y="17125831"/>
-            <a:ext cx="8277225" cy="1815882"/>
+            <a:ext cx="8277225" cy="5693866"/>
           </a:xfrm>
           <a:prstGeom prst="rect">
             <a:avLst/>
@@ -4167,14 +4214,87 @@
           </a:bodyPr>
           <a:lstStyle/>
           <a:p>
+            <a:pPr marL="457200" indent="-457200">
+              <a:buFont typeface="Arial" panose="020B0604020202020204" pitchFamily="34" charset="0"/>
+              <a:buChar char="•"/>
+            </a:pPr>
             <a:r>
               <a:rPr lang="en-US" sz="2800" dirty="0">
                 <a:latin typeface="Open Sans" panose="020B0606030504020204" pitchFamily="34" charset="0"/>
                 <a:ea typeface="Open Sans" panose="020B0606030504020204" pitchFamily="34" charset="0"/>
                 <a:cs typeface="Open Sans" panose="020B0606030504020204" pitchFamily="34" charset="0"/>
               </a:rPr>
-              <a:t>This section is currently a work in progress as we have not finalized our Deep Investigation.</a:t>
+              <a:t>Wide variety of feature sets and classifiers show potential to achieve an accuracy &gt;90%</a:t>
             </a:r>
+          </a:p>
+          <a:p>
+            <a:pPr marL="457200" indent="-457200">
+              <a:buFont typeface="Arial" panose="020B0604020202020204" pitchFamily="34" charset="0"/>
+              <a:buChar char="•"/>
+            </a:pPr>
+            <a:r>
+              <a:rPr lang="en-US" sz="2800" dirty="0">
+                <a:latin typeface="Open Sans" panose="020B0606030504020204" pitchFamily="34" charset="0"/>
+                <a:ea typeface="Open Sans" panose="020B0606030504020204" pitchFamily="34" charset="0"/>
+                <a:cs typeface="Open Sans" panose="020B0606030504020204" pitchFamily="34" charset="0"/>
+              </a:rPr>
+              <a:t>Deep neural networks under performed as compared to more traditional classifiers</a:t>
+            </a:r>
+          </a:p>
+          <a:p>
+            <a:pPr marL="457200" indent="-457200">
+              <a:buFont typeface="Arial" panose="020B0604020202020204" pitchFamily="34" charset="0"/>
+              <a:buChar char="•"/>
+            </a:pPr>
+            <a:r>
+              <a:rPr lang="en-US" sz="2800" dirty="0">
+                <a:latin typeface="Open Sans" panose="020B0606030504020204" pitchFamily="34" charset="0"/>
+                <a:ea typeface="Open Sans" panose="020B0606030504020204" pitchFamily="34" charset="0"/>
+                <a:cs typeface="Open Sans" panose="020B0606030504020204" pitchFamily="34" charset="0"/>
+              </a:rPr>
+              <a:t>Computation time of the feature set required for the combination influenced the selection of 3 combinations to optimize </a:t>
+            </a:r>
+          </a:p>
+          <a:p>
+            <a:pPr marL="457200" indent="-457200">
+              <a:buFont typeface="Arial" panose="020B0604020202020204" pitchFamily="34" charset="0"/>
+              <a:buChar char="•"/>
+            </a:pPr>
+            <a:r>
+              <a:rPr lang="en-US" sz="2800" dirty="0">
+                <a:latin typeface="Open Sans" panose="020B0606030504020204" pitchFamily="34" charset="0"/>
+                <a:ea typeface="Open Sans" panose="020B0606030504020204" pitchFamily="34" charset="0"/>
+                <a:cs typeface="Open Sans" panose="020B0606030504020204" pitchFamily="34" charset="0"/>
+              </a:rPr>
+              <a:t>3 optimized feature sets and classifiers achieve &gt;93% cross-validation accuracy </a:t>
+            </a:r>
+          </a:p>
+          <a:p>
+            <a:pPr marL="457200" indent="-457200">
+              <a:buFont typeface="Arial" panose="020B0604020202020204" pitchFamily="34" charset="0"/>
+              <a:buChar char="•"/>
+            </a:pPr>
+            <a:r>
+              <a:rPr lang="en-US" sz="2800" dirty="0">
+                <a:latin typeface="Open Sans" panose="020B0606030504020204" pitchFamily="34" charset="0"/>
+                <a:ea typeface="Open Sans" panose="020B0606030504020204" pitchFamily="34" charset="0"/>
+                <a:cs typeface="Open Sans" panose="020B0606030504020204" pitchFamily="34" charset="0"/>
+              </a:rPr>
+              <a:t>Performance of all 3 degraded when tested against </a:t>
+            </a:r>
+            <a:r>
+              <a:rPr lang="en-US" sz="2800">
+                <a:latin typeface="Open Sans" panose="020B0606030504020204" pitchFamily="34" charset="0"/>
+                <a:ea typeface="Open Sans" panose="020B0606030504020204" pitchFamily="34" charset="0"/>
+                <a:cs typeface="Open Sans" panose="020B0606030504020204" pitchFamily="34" charset="0"/>
+              </a:rPr>
+              <a:t>randomized scenarios</a:t>
+            </a:r>
+            <a:endParaRPr lang="en-US" sz="2800" dirty="0">
+              <a:latin typeface="Open Sans" panose="020B0606030504020204" pitchFamily="34" charset="0"/>
+              <a:ea typeface="Open Sans" panose="020B0606030504020204" pitchFamily="34" charset="0"/>
+              <a:cs typeface="Open Sans" panose="020B0606030504020204" pitchFamily="34" charset="0"/>
+            </a:endParaRPr>
           </a:p>
           <a:p>
             <a:endParaRPr lang="en-US" sz="2800" dirty="0">
@@ -19628,6 +19748,122 @@
           </a:p>
         </p:txBody>
       </p:sp>
+      <p:sp>
+        <p:nvSpPr>
+          <p:cNvPr id="43" name="TextBox 42">
+            <a:extLst>
+              <a:ext uri="{FF2B5EF4-FFF2-40B4-BE49-F238E27FC236}">
+                <a16:creationId xmlns:a16="http://schemas.microsoft.com/office/drawing/2014/main" id="{705A9662-156B-4643-BFA1-6792F4852C8C}"/>
+              </a:ext>
+            </a:extLst>
+          </p:cNvPr>
+          <p:cNvSpPr txBox="1"/>
+          <p:nvPr/>
+        </p:nvSpPr>
+        <p:spPr>
+          <a:xfrm>
+            <a:off x="34749291" y="23141018"/>
+            <a:ext cx="8277225" cy="584775"/>
+          </a:xfrm>
+          <a:prstGeom prst="rect">
+            <a:avLst/>
+          </a:prstGeom>
+          <a:solidFill>
+            <a:srgbClr val="0070C0"/>
+          </a:solidFill>
+        </p:spPr>
+        <p:txBody>
+          <a:bodyPr wrap="square" rtlCol="0">
+            <a:spAutoFit/>
+          </a:bodyPr>
+          <a:lstStyle/>
+          <a:p>
+            <a:pPr algn="ctr"/>
+            <a:r>
+              <a:rPr lang="en-US" sz="3200" b="1" dirty="0">
+                <a:solidFill>
+                  <a:schemeClr val="bg1"/>
+                </a:solidFill>
+                <a:latin typeface="Open Sans" panose="020B0606030504020204" pitchFamily="34" charset="0"/>
+                <a:ea typeface="Open Sans" panose="020B0606030504020204" pitchFamily="34" charset="0"/>
+                <a:cs typeface="Open Sans" panose="020B0606030504020204" pitchFamily="34" charset="0"/>
+              </a:rPr>
+              <a:t>Recommendations</a:t>
+            </a:r>
+          </a:p>
+        </p:txBody>
+      </p:sp>
+      <p:sp>
+        <p:nvSpPr>
+          <p:cNvPr id="44" name="TextBox 43">
+            <a:extLst>
+              <a:ext uri="{FF2B5EF4-FFF2-40B4-BE49-F238E27FC236}">
+                <a16:creationId xmlns:a16="http://schemas.microsoft.com/office/drawing/2014/main" id="{A276ECBD-802E-4A0D-8AD5-6DD0E12515EB}"/>
+              </a:ext>
+            </a:extLst>
+          </p:cNvPr>
+          <p:cNvSpPr txBox="1"/>
+          <p:nvPr/>
+        </p:nvSpPr>
+        <p:spPr>
+          <a:xfrm>
+            <a:off x="34742591" y="24140755"/>
+            <a:ext cx="8277225" cy="3970318"/>
+          </a:xfrm>
+          <a:prstGeom prst="rect">
+            <a:avLst/>
+          </a:prstGeom>
+          <a:noFill/>
+        </p:spPr>
+        <p:txBody>
+          <a:bodyPr wrap="square" rtlCol="0">
+            <a:spAutoFit/>
+          </a:bodyPr>
+          <a:lstStyle/>
+          <a:p>
+            <a:pPr marL="457200" indent="-457200">
+              <a:buFont typeface="Arial" panose="020B0604020202020204" pitchFamily="34" charset="0"/>
+              <a:buChar char="•"/>
+            </a:pPr>
+            <a:r>
+              <a:rPr lang="en-US" sz="2800" dirty="0">
+                <a:latin typeface="Open Sans" panose="020B0606030504020204" pitchFamily="34" charset="0"/>
+                <a:ea typeface="Open Sans" panose="020B0606030504020204" pitchFamily="34" charset="0"/>
+                <a:cs typeface="Open Sans" panose="020B0606030504020204" pitchFamily="34" charset="0"/>
+              </a:rPr>
+              <a:t>Continue with the DWT4 and CEP26 feature sets and classifiers</a:t>
+            </a:r>
+          </a:p>
+          <a:p>
+            <a:pPr marL="457200" indent="-457200">
+              <a:buFont typeface="Arial" panose="020B0604020202020204" pitchFamily="34" charset="0"/>
+              <a:buChar char="•"/>
+            </a:pPr>
+            <a:r>
+              <a:rPr lang="en-US" sz="2800" dirty="0">
+                <a:latin typeface="Open Sans" panose="020B0606030504020204" pitchFamily="34" charset="0"/>
+                <a:ea typeface="Open Sans" panose="020B0606030504020204" pitchFamily="34" charset="0"/>
+                <a:cs typeface="Open Sans" panose="020B0606030504020204" pitchFamily="34" charset="0"/>
+              </a:rPr>
+              <a:t>Expand the data sets with additional data, more constructed scenarios, and with variation in the signal-to-noise ratio</a:t>
+            </a:r>
+          </a:p>
+          <a:p>
+            <a:pPr marL="457200" indent="-457200">
+              <a:buFont typeface="Arial" panose="020B0604020202020204" pitchFamily="34" charset="0"/>
+              <a:buChar char="•"/>
+            </a:pPr>
+            <a:r>
+              <a:rPr lang="en-US" sz="2800" dirty="0">
+                <a:latin typeface="Open Sans" panose="020B0606030504020204" pitchFamily="34" charset="0"/>
+                <a:ea typeface="Open Sans" panose="020B0606030504020204" pitchFamily="34" charset="0"/>
+                <a:cs typeface="Open Sans" panose="020B0606030504020204" pitchFamily="34" charset="0"/>
+              </a:rPr>
+              <a:t>Development method to compute the effective signal-to-noise ratio for the scenario with a reduction in the proportion of the signal block contaminated</a:t>
+            </a:r>
+          </a:p>
+        </p:txBody>
+      </p:sp>
     </p:spTree>
     <p:extLst>
       <p:ext uri="{BB962C8B-B14F-4D97-AF65-F5344CB8AC3E}">

--- a/devdocs/EnvNoiseDetectorPosterExampleWhite.pptx
+++ b/devdocs/EnvNoiseDetectorPosterExampleWhite.pptx
@@ -225,30 +225,6 @@
     </pc:docChg>
   </pc:docChgLst>
   <pc:docChgLst>
-    <pc:chgData name="Todd Schultz" userId="ba2af144d448b369" providerId="LiveId" clId="{5BB63033-66C0-43C8-90EA-7E660E972B43}"/>
-    <pc:docChg chg="modSld">
-      <pc:chgData name="Todd Schultz" userId="ba2af144d448b369" providerId="LiveId" clId="{5BB63033-66C0-43C8-90EA-7E660E972B43}" dt="2019-02-28T02:06:17.850" v="12" actId="20577"/>
-      <pc:docMkLst>
-        <pc:docMk/>
-      </pc:docMkLst>
-      <pc:sldChg chg="modSp">
-        <pc:chgData name="Todd Schultz" userId="ba2af144d448b369" providerId="LiveId" clId="{5BB63033-66C0-43C8-90EA-7E660E972B43}" dt="2019-02-28T02:06:17.850" v="12" actId="20577"/>
-        <pc:sldMkLst>
-          <pc:docMk/>
-          <pc:sldMk cId="2702275411" sldId="256"/>
-        </pc:sldMkLst>
-        <pc:spChg chg="mod">
-          <ac:chgData name="Todd Schultz" userId="ba2af144d448b369" providerId="LiveId" clId="{5BB63033-66C0-43C8-90EA-7E660E972B43}" dt="2019-02-28T02:06:17.850" v="12" actId="20577"/>
-          <ac:spMkLst>
-            <pc:docMk/>
-            <pc:sldMk cId="2702275411" sldId="256"/>
-            <ac:spMk id="27" creationId="{4D175D9D-1009-468A-A739-F755DB191293}"/>
-          </ac:spMkLst>
-        </pc:spChg>
-      </pc:sldChg>
-    </pc:docChg>
-  </pc:docChgLst>
-  <pc:docChgLst>
     <pc:chgData name="Todd Schultz" userId="ba2af144d448b369" providerId="LiveId" clId="{BAB375EC-1736-4FBE-AAD6-8B43B5C28312}"/>
     <pc:docChg chg="undo custSel modSld">
       <pc:chgData name="Todd Schultz" userId="ba2af144d448b369" providerId="LiveId" clId="{BAB375EC-1736-4FBE-AAD6-8B43B5C28312}" dt="2019-03-02T23:34:36.149" v="202" actId="1076"/>
@@ -341,6 +317,30 @@
             <ac:picMk id="34" creationId="{A9CA9739-9FB2-4DF3-83BD-C025B15454CC}"/>
           </ac:picMkLst>
         </pc:picChg>
+      </pc:sldChg>
+    </pc:docChg>
+  </pc:docChgLst>
+  <pc:docChgLst>
+    <pc:chgData name="Todd Schultz" userId="ba2af144d448b369" providerId="LiveId" clId="{5BB63033-66C0-43C8-90EA-7E660E972B43}"/>
+    <pc:docChg chg="modSld">
+      <pc:chgData name="Todd Schultz" userId="ba2af144d448b369" providerId="LiveId" clId="{5BB63033-66C0-43C8-90EA-7E660E972B43}" dt="2019-02-28T02:06:17.850" v="12" actId="20577"/>
+      <pc:docMkLst>
+        <pc:docMk/>
+      </pc:docMkLst>
+      <pc:sldChg chg="modSp">
+        <pc:chgData name="Todd Schultz" userId="ba2af144d448b369" providerId="LiveId" clId="{5BB63033-66C0-43C8-90EA-7E660E972B43}" dt="2019-02-28T02:06:17.850" v="12" actId="20577"/>
+        <pc:sldMkLst>
+          <pc:docMk/>
+          <pc:sldMk cId="2702275411" sldId="256"/>
+        </pc:sldMkLst>
+        <pc:spChg chg="mod">
+          <ac:chgData name="Todd Schultz" userId="ba2af144d448b369" providerId="LiveId" clId="{5BB63033-66C0-43C8-90EA-7E660E972B43}" dt="2019-02-28T02:06:17.850" v="12" actId="20577"/>
+          <ac:spMkLst>
+            <pc:docMk/>
+            <pc:sldMk cId="2702275411" sldId="256"/>
+            <ac:spMk id="27" creationId="{4D175D9D-1009-468A-A739-F755DB191293}"/>
+          </ac:spMkLst>
+        </pc:spChg>
       </pc:sldChg>
     </pc:docChg>
   </pc:docChgLst>
@@ -4201,7 +4201,7 @@
         <p:spPr>
           <a:xfrm>
             <a:off x="34749292" y="17125831"/>
-            <a:ext cx="8277225" cy="5693866"/>
+            <a:ext cx="8277225" cy="6124754"/>
           </a:xfrm>
           <a:prstGeom prst="rect">
             <a:avLst/>
@@ -4280,28 +4280,22 @@
                 <a:ea typeface="Open Sans" panose="020B0606030504020204" pitchFamily="34" charset="0"/>
                 <a:cs typeface="Open Sans" panose="020B0606030504020204" pitchFamily="34" charset="0"/>
               </a:rPr>
-              <a:t>Performance of all 3 degraded when tested against </a:t>
+              <a:t>Performance of all 3 degraded when tested against randomized scenarios</a:t>
             </a:r>
+          </a:p>
+          <a:p>
+            <a:pPr marL="457200" indent="-457200">
+              <a:buFont typeface="Arial" panose="020B0604020202020204" pitchFamily="34" charset="0"/>
+              <a:buChar char="•"/>
+            </a:pPr>
             <a:r>
-              <a:rPr lang="en-US" sz="2800">
+              <a:rPr lang="en-US" sz="2800" dirty="0">
                 <a:latin typeface="Open Sans" panose="020B0606030504020204" pitchFamily="34" charset="0"/>
                 <a:ea typeface="Open Sans" panose="020B0606030504020204" pitchFamily="34" charset="0"/>
                 <a:cs typeface="Open Sans" panose="020B0606030504020204" pitchFamily="34" charset="0"/>
               </a:rPr>
-              <a:t>randomized scenarios</a:t>
+              <a:t>Increased fidelity of DWT5 did not out perform DWT4</a:t>
             </a:r>
-            <a:endParaRPr lang="en-US" sz="2800" dirty="0">
-              <a:latin typeface="Open Sans" panose="020B0606030504020204" pitchFamily="34" charset="0"/>
-              <a:ea typeface="Open Sans" panose="020B0606030504020204" pitchFamily="34" charset="0"/>
-              <a:cs typeface="Open Sans" panose="020B0606030504020204" pitchFamily="34" charset="0"/>
-            </a:endParaRPr>
-          </a:p>
-          <a:p>
-            <a:endParaRPr lang="en-US" sz="2800" dirty="0">
-              <a:latin typeface="Open Sans" panose="020B0606030504020204" pitchFamily="34" charset="0"/>
-              <a:ea typeface="Open Sans" panose="020B0606030504020204" pitchFamily="34" charset="0"/>
-              <a:cs typeface="Open Sans" panose="020B0606030504020204" pitchFamily="34" charset="0"/>
-            </a:endParaRPr>
           </a:p>
           <a:p>
             <a:endParaRPr lang="en-US" sz="2800" dirty="0">

--- a/devdocs/EnvNoiseDetectorPosterExampleWhite.pptx
+++ b/devdocs/EnvNoiseDetectorPosterExampleWhite.pptx
@@ -129,7 +129,7 @@
 <file path=ppt/revisionInfo.xml><?xml version="1.0" encoding="utf-8"?>
 <p1510:revInfo xmlns:a="http://schemas.openxmlformats.org/drawingml/2006/main" xmlns:r="http://schemas.openxmlformats.org/officeDocument/2006/relationships" xmlns:p1510="http://schemas.microsoft.com/office/powerpoint/2015/10/main">
   <p1510:revLst>
-    <p1510:client id="{95BF0B47-37B5-44C5-8094-7DDC7EA9E82A}" v="2" dt="2019-03-04T04:43:02.128"/>
+    <p1510:client id="{95BF0B47-37B5-44C5-8094-7DDC7EA9E82A}" v="5" dt="2019-03-07T02:32:02.212"/>
   </p1510:revLst>
 </p1510:revInfo>
 </file>
@@ -219,6 +219,30 @@
             <pc:docMk/>
             <pc:sldMk cId="2702275411" sldId="256"/>
             <ac:spMk id="35" creationId="{D661B552-E9B7-4995-A5A5-635F2BECC199}"/>
+          </ac:spMkLst>
+        </pc:spChg>
+      </pc:sldChg>
+    </pc:docChg>
+  </pc:docChgLst>
+  <pc:docChgLst>
+    <pc:chgData name="Todd Schultz" userId="ba2af144d448b369" providerId="LiveId" clId="{5BB63033-66C0-43C8-90EA-7E660E972B43}"/>
+    <pc:docChg chg="modSld">
+      <pc:chgData name="Todd Schultz" userId="ba2af144d448b369" providerId="LiveId" clId="{5BB63033-66C0-43C8-90EA-7E660E972B43}" dt="2019-02-28T02:06:17.850" v="12" actId="20577"/>
+      <pc:docMkLst>
+        <pc:docMk/>
+      </pc:docMkLst>
+      <pc:sldChg chg="modSp">
+        <pc:chgData name="Todd Schultz" userId="ba2af144d448b369" providerId="LiveId" clId="{5BB63033-66C0-43C8-90EA-7E660E972B43}" dt="2019-02-28T02:06:17.850" v="12" actId="20577"/>
+        <pc:sldMkLst>
+          <pc:docMk/>
+          <pc:sldMk cId="2702275411" sldId="256"/>
+        </pc:sldMkLst>
+        <pc:spChg chg="mod">
+          <ac:chgData name="Todd Schultz" userId="ba2af144d448b369" providerId="LiveId" clId="{5BB63033-66C0-43C8-90EA-7E660E972B43}" dt="2019-02-28T02:06:17.850" v="12" actId="20577"/>
+          <ac:spMkLst>
+            <pc:docMk/>
+            <pc:sldMk cId="2702275411" sldId="256"/>
+            <ac:spMk id="27" creationId="{4D175D9D-1009-468A-A739-F755DB191293}"/>
           </ac:spMkLst>
         </pc:spChg>
       </pc:sldChg>
@@ -321,44 +345,36 @@
     </pc:docChg>
   </pc:docChgLst>
   <pc:docChgLst>
-    <pc:chgData name="Todd Schultz" userId="ba2af144d448b369" providerId="LiveId" clId="{5BB63033-66C0-43C8-90EA-7E660E972B43}"/>
-    <pc:docChg chg="modSld">
-      <pc:chgData name="Todd Schultz" userId="ba2af144d448b369" providerId="LiveId" clId="{5BB63033-66C0-43C8-90EA-7E660E972B43}" dt="2019-02-28T02:06:17.850" v="12" actId="20577"/>
+    <pc:chgData name="Todd Schultz" userId="ba2af144d448b369" providerId="LiveId" clId="{95BF0B47-37B5-44C5-8094-7DDC7EA9E82A}"/>
+    <pc:docChg chg="undo custSel modSld">
+      <pc:chgData name="Todd Schultz" userId="ba2af144d448b369" providerId="LiveId" clId="{95BF0B47-37B5-44C5-8094-7DDC7EA9E82A}" dt="2019-03-07T02:32:02.212" v="1430"/>
       <pc:docMkLst>
         <pc:docMk/>
       </pc:docMkLst>
-      <pc:sldChg chg="modSp">
-        <pc:chgData name="Todd Schultz" userId="ba2af144d448b369" providerId="LiveId" clId="{5BB63033-66C0-43C8-90EA-7E660E972B43}" dt="2019-02-28T02:06:17.850" v="12" actId="20577"/>
+      <pc:sldChg chg="addSp modSp">
+        <pc:chgData name="Todd Schultz" userId="ba2af144d448b369" providerId="LiveId" clId="{95BF0B47-37B5-44C5-8094-7DDC7EA9E82A}" dt="2019-03-07T02:32:02.212" v="1430"/>
         <pc:sldMkLst>
           <pc:docMk/>
           <pc:sldMk cId="2702275411" sldId="256"/>
         </pc:sldMkLst>
         <pc:spChg chg="mod">
-          <ac:chgData name="Todd Schultz" userId="ba2af144d448b369" providerId="LiveId" clId="{5BB63033-66C0-43C8-90EA-7E660E972B43}" dt="2019-02-28T02:06:17.850" v="12" actId="20577"/>
+          <ac:chgData name="Todd Schultz" userId="ba2af144d448b369" providerId="LiveId" clId="{95BF0B47-37B5-44C5-8094-7DDC7EA9E82A}" dt="2019-03-07T02:28:15.242" v="1411" actId="403"/>
           <ac:spMkLst>
             <pc:docMk/>
             <pc:sldMk cId="2702275411" sldId="256"/>
-            <ac:spMk id="27" creationId="{4D175D9D-1009-468A-A739-F755DB191293}"/>
+            <ac:spMk id="6" creationId="{0D8CFA4B-D844-4D7E-A86E-D6A117043AA7}"/>
           </ac:spMkLst>
         </pc:spChg>
-      </pc:sldChg>
-    </pc:docChg>
-  </pc:docChgLst>
-  <pc:docChgLst>
-    <pc:chgData name="Todd Schultz" userId="ba2af144d448b369" providerId="LiveId" clId="{95BF0B47-37B5-44C5-8094-7DDC7EA9E82A}"/>
-    <pc:docChg chg="undo custSel modSld">
-      <pc:chgData name="Todd Schultz" userId="ba2af144d448b369" providerId="LiveId" clId="{95BF0B47-37B5-44C5-8094-7DDC7EA9E82A}" dt="2019-03-04T04:46:18.854" v="1410" actId="20577"/>
-      <pc:docMkLst>
-        <pc:docMk/>
-      </pc:docMkLst>
-      <pc:sldChg chg="addSp modSp">
-        <pc:chgData name="Todd Schultz" userId="ba2af144d448b369" providerId="LiveId" clId="{95BF0B47-37B5-44C5-8094-7DDC7EA9E82A}" dt="2019-03-04T04:46:18.854" v="1410" actId="20577"/>
-        <pc:sldMkLst>
-          <pc:docMk/>
-          <pc:sldMk cId="2702275411" sldId="256"/>
-        </pc:sldMkLst>
         <pc:spChg chg="mod">
-          <ac:chgData name="Todd Schultz" userId="ba2af144d448b369" providerId="LiveId" clId="{95BF0B47-37B5-44C5-8094-7DDC7EA9E82A}" dt="2019-03-04T04:42:56.611" v="996" actId="6549"/>
+          <ac:chgData name="Todd Schultz" userId="ba2af144d448b369" providerId="LiveId" clId="{95BF0B47-37B5-44C5-8094-7DDC7EA9E82A}" dt="2019-03-07T02:28:22.788" v="1413" actId="403"/>
+          <ac:spMkLst>
+            <pc:docMk/>
+            <pc:sldMk cId="2702275411" sldId="256"/>
+            <ac:spMk id="10" creationId="{73E8B18E-B3E7-4B27-91B2-ADF9300886BC}"/>
+          </ac:spMkLst>
+        </pc:spChg>
+        <pc:spChg chg="mod">
+          <ac:chgData name="Todd Schultz" userId="ba2af144d448b369" providerId="LiveId" clId="{95BF0B47-37B5-44C5-8094-7DDC7EA9E82A}" dt="2019-03-07T02:28:46.058" v="1416" actId="403"/>
           <ac:spMkLst>
             <pc:docMk/>
             <pc:sldMk cId="2702275411" sldId="256"/>
@@ -373,8 +389,56 @@
             <ac:spMk id="13" creationId="{66802A07-8FC0-4428-85DD-AC54AA97936A}"/>
           </ac:spMkLst>
         </pc:spChg>
+        <pc:spChg chg="mod">
+          <ac:chgData name="Todd Schultz" userId="ba2af144d448b369" providerId="LiveId" clId="{95BF0B47-37B5-44C5-8094-7DDC7EA9E82A}" dt="2019-03-07T02:28:55.246" v="1418" actId="403"/>
+          <ac:spMkLst>
+            <pc:docMk/>
+            <pc:sldMk cId="2702275411" sldId="256"/>
+            <ac:spMk id="14" creationId="{25D7FB95-EB7C-4E10-A082-8D29C7319D2E}"/>
+          </ac:spMkLst>
+        </pc:spChg>
+        <pc:spChg chg="mod">
+          <ac:chgData name="Todd Schultz" userId="ba2af144d448b369" providerId="LiveId" clId="{95BF0B47-37B5-44C5-8094-7DDC7EA9E82A}" dt="2019-03-07T02:28:50.118" v="1417" actId="403"/>
+          <ac:spMkLst>
+            <pc:docMk/>
+            <pc:sldMk cId="2702275411" sldId="256"/>
+            <ac:spMk id="16" creationId="{5789A439-3811-4238-90EF-29D7DBC11EA2}"/>
+          </ac:spMkLst>
+        </pc:spChg>
+        <pc:spChg chg="mod">
+          <ac:chgData name="Todd Schultz" userId="ba2af144d448b369" providerId="LiveId" clId="{95BF0B47-37B5-44C5-8094-7DDC7EA9E82A}" dt="2019-03-07T02:28:29.071" v="1414" actId="403"/>
+          <ac:spMkLst>
+            <pc:docMk/>
+            <pc:sldMk cId="2702275411" sldId="256"/>
+            <ac:spMk id="18" creationId="{34C79DCF-45BE-4FD0-9B5C-298E102A4CF8}"/>
+          </ac:spMkLst>
+        </pc:spChg>
+        <pc:spChg chg="mod">
+          <ac:chgData name="Todd Schultz" userId="ba2af144d448b369" providerId="LiveId" clId="{95BF0B47-37B5-44C5-8094-7DDC7EA9E82A}" dt="2019-03-07T02:28:19.280" v="1412" actId="403"/>
+          <ac:spMkLst>
+            <pc:docMk/>
+            <pc:sldMk cId="2702275411" sldId="256"/>
+            <ac:spMk id="20" creationId="{234C779A-E0DA-404E-AC9F-CE4B02974793}"/>
+          </ac:spMkLst>
+        </pc:spChg>
+        <pc:spChg chg="mod">
+          <ac:chgData name="Todd Schultz" userId="ba2af144d448b369" providerId="LiveId" clId="{95BF0B47-37B5-44C5-8094-7DDC7EA9E82A}" dt="2019-03-07T02:28:36.474" v="1415" actId="403"/>
+          <ac:spMkLst>
+            <pc:docMk/>
+            <pc:sldMk cId="2702275411" sldId="256"/>
+            <ac:spMk id="21" creationId="{D7062249-7C6F-4D47-812D-682F4C5670B8}"/>
+          </ac:spMkLst>
+        </pc:spChg>
+        <pc:spChg chg="mod">
+          <ac:chgData name="Todd Schultz" userId="ba2af144d448b369" providerId="LiveId" clId="{95BF0B47-37B5-44C5-8094-7DDC7EA9E82A}" dt="2019-03-07T02:29:06.444" v="1420" actId="403"/>
+          <ac:spMkLst>
+            <pc:docMk/>
+            <pc:sldMk cId="2702275411" sldId="256"/>
+            <ac:spMk id="22" creationId="{046D794B-C8CB-458B-9576-44C6773B2769}"/>
+          </ac:spMkLst>
+        </pc:spChg>
         <pc:spChg chg="add mod">
-          <ac:chgData name="Todd Schultz" userId="ba2af144d448b369" providerId="LiveId" clId="{95BF0B47-37B5-44C5-8094-7DDC7EA9E82A}" dt="2019-03-04T04:45:52.455" v="1364" actId="1036"/>
+          <ac:chgData name="Todd Schultz" userId="ba2af144d448b369" providerId="LiveId" clId="{95BF0B47-37B5-44C5-8094-7DDC7EA9E82A}" dt="2019-03-07T02:29:01.983" v="1419" actId="403"/>
           <ac:spMkLst>
             <pc:docMk/>
             <pc:sldMk cId="2702275411" sldId="256"/>
@@ -389,6 +453,14 @@
             <ac:spMk id="44" creationId="{A276ECBD-802E-4A0D-8AD5-6DD0E12515EB}"/>
           </ac:spMkLst>
         </pc:spChg>
+        <pc:graphicFrameChg chg="mod modGraphic">
+          <ac:chgData name="Todd Schultz" userId="ba2af144d448b369" providerId="LiveId" clId="{95BF0B47-37B5-44C5-8094-7DDC7EA9E82A}" dt="2019-03-07T02:32:02.212" v="1430"/>
+          <ac:graphicFrameMkLst>
+            <pc:docMk/>
+            <pc:sldMk cId="2702275411" sldId="256"/>
+            <ac:graphicFrameMk id="30" creationId="{FB78FF56-7E8A-4A1F-A449-ED5CD5B41494}"/>
+          </ac:graphicFrameMkLst>
+        </pc:graphicFrameChg>
       </pc:sldChg>
     </pc:docChg>
   </pc:docChgLst>
@@ -477,7 +549,7 @@
           <a:p>
             <a:fld id="{24822B7A-A7E0-428B-B58D-1FACBB86113F}" type="datetimeFigureOut">
               <a:rPr lang="en-US" smtClean="0"/>
-              <a:t>3/3/2019</a:t>
+              <a:t>3/6/2019</a:t>
             </a:fld>
             <a:endParaRPr lang="en-US"/>
           </a:p>
@@ -875,7 +947,7 @@
           <a:p>
             <a:fld id="{E153FC24-88DC-4CE4-A3C2-9F31CD4F9CE4}" type="datetimeFigureOut">
               <a:rPr lang="en-US" smtClean="0"/>
-              <a:t>3/3/2019</a:t>
+              <a:t>3/6/2019</a:t>
             </a:fld>
             <a:endParaRPr lang="en-US"/>
           </a:p>
@@ -1045,7 +1117,7 @@
           <a:p>
             <a:fld id="{E153FC24-88DC-4CE4-A3C2-9F31CD4F9CE4}" type="datetimeFigureOut">
               <a:rPr lang="en-US" smtClean="0"/>
-              <a:t>3/3/2019</a:t>
+              <a:t>3/6/2019</a:t>
             </a:fld>
             <a:endParaRPr lang="en-US"/>
           </a:p>
@@ -1225,7 +1297,7 @@
           <a:p>
             <a:fld id="{E153FC24-88DC-4CE4-A3C2-9F31CD4F9CE4}" type="datetimeFigureOut">
               <a:rPr lang="en-US" smtClean="0"/>
-              <a:t>3/3/2019</a:t>
+              <a:t>3/6/2019</a:t>
             </a:fld>
             <a:endParaRPr lang="en-US"/>
           </a:p>
@@ -1395,7 +1467,7 @@
           <a:p>
             <a:fld id="{E153FC24-88DC-4CE4-A3C2-9F31CD4F9CE4}" type="datetimeFigureOut">
               <a:rPr lang="en-US" smtClean="0"/>
-              <a:t>3/3/2019</a:t>
+              <a:t>3/6/2019</a:t>
             </a:fld>
             <a:endParaRPr lang="en-US"/>
           </a:p>
@@ -1639,7 +1711,7 @@
           <a:p>
             <a:fld id="{E153FC24-88DC-4CE4-A3C2-9F31CD4F9CE4}" type="datetimeFigureOut">
               <a:rPr lang="en-US" smtClean="0"/>
-              <a:t>3/3/2019</a:t>
+              <a:t>3/6/2019</a:t>
             </a:fld>
             <a:endParaRPr lang="en-US"/>
           </a:p>
@@ -1871,7 +1943,7 @@
           <a:p>
             <a:fld id="{E153FC24-88DC-4CE4-A3C2-9F31CD4F9CE4}" type="datetimeFigureOut">
               <a:rPr lang="en-US" smtClean="0"/>
-              <a:t>3/3/2019</a:t>
+              <a:t>3/6/2019</a:t>
             </a:fld>
             <a:endParaRPr lang="en-US"/>
           </a:p>
@@ -2238,7 +2310,7 @@
           <a:p>
             <a:fld id="{E153FC24-88DC-4CE4-A3C2-9F31CD4F9CE4}" type="datetimeFigureOut">
               <a:rPr lang="en-US" smtClean="0"/>
-              <a:t>3/3/2019</a:t>
+              <a:t>3/6/2019</a:t>
             </a:fld>
             <a:endParaRPr lang="en-US"/>
           </a:p>
@@ -2356,7 +2428,7 @@
           <a:p>
             <a:fld id="{E153FC24-88DC-4CE4-A3C2-9F31CD4F9CE4}" type="datetimeFigureOut">
               <a:rPr lang="en-US" smtClean="0"/>
-              <a:t>3/3/2019</a:t>
+              <a:t>3/6/2019</a:t>
             </a:fld>
             <a:endParaRPr lang="en-US"/>
           </a:p>
@@ -2451,7 +2523,7 @@
           <a:p>
             <a:fld id="{E153FC24-88DC-4CE4-A3C2-9F31CD4F9CE4}" type="datetimeFigureOut">
               <a:rPr lang="en-US" smtClean="0"/>
-              <a:t>3/3/2019</a:t>
+              <a:t>3/6/2019</a:t>
             </a:fld>
             <a:endParaRPr lang="en-US"/>
           </a:p>
@@ -2728,7 +2800,7 @@
           <a:p>
             <a:fld id="{E153FC24-88DC-4CE4-A3C2-9F31CD4F9CE4}" type="datetimeFigureOut">
               <a:rPr lang="en-US" smtClean="0"/>
-              <a:t>3/3/2019</a:t>
+              <a:t>3/6/2019</a:t>
             </a:fld>
             <a:endParaRPr lang="en-US"/>
           </a:p>
@@ -2985,7 +3057,7 @@
           <a:p>
             <a:fld id="{E153FC24-88DC-4CE4-A3C2-9F31CD4F9CE4}" type="datetimeFigureOut">
               <a:rPr lang="en-US" smtClean="0"/>
-              <a:t>3/3/2019</a:t>
+              <a:t>3/6/2019</a:t>
             </a:fld>
             <a:endParaRPr lang="en-US"/>
           </a:p>
@@ -3198,7 +3270,7 @@
           <a:p>
             <a:fld id="{E153FC24-88DC-4CE4-A3C2-9F31CD4F9CE4}" type="datetimeFigureOut">
               <a:rPr lang="en-US" smtClean="0"/>
-              <a:t>3/3/2019</a:t>
+              <a:t>3/6/2019</a:t>
             </a:fld>
             <a:endParaRPr lang="en-US"/>
           </a:p>
@@ -3867,7 +3939,7 @@
         <p:spPr>
           <a:xfrm>
             <a:off x="914399" y="3657600"/>
-            <a:ext cx="14601095" cy="584775"/>
+            <a:ext cx="14601095" cy="646331"/>
           </a:xfrm>
           <a:prstGeom prst="rect">
             <a:avLst/>
@@ -3884,7 +3956,7 @@
           <a:p>
             <a:pPr algn="ctr"/>
             <a:r>
-              <a:rPr lang="en-US" sz="3200" b="1" dirty="0">
+              <a:rPr lang="en-US" sz="3600" b="1" dirty="0">
                 <a:solidFill>
                   <a:schemeClr val="bg1"/>
                 </a:solidFill>
@@ -4029,7 +4101,7 @@
         <p:spPr>
           <a:xfrm>
             <a:off x="907026" y="12357598"/>
-            <a:ext cx="14608468" cy="584775"/>
+            <a:ext cx="14608468" cy="646331"/>
           </a:xfrm>
           <a:prstGeom prst="rect">
             <a:avLst/>
@@ -4046,7 +4118,7 @@
           <a:p>
             <a:pPr algn="ctr"/>
             <a:r>
-              <a:rPr lang="en-US" sz="3200" b="1" dirty="0">
+              <a:rPr lang="en-US" sz="3600" b="1" dirty="0">
                 <a:solidFill>
                   <a:schemeClr val="bg1"/>
                 </a:solidFill>
@@ -4156,7 +4228,7 @@
         <p:spPr>
           <a:xfrm>
             <a:off x="34752979" y="16325731"/>
-            <a:ext cx="8277225" cy="584775"/>
+            <a:ext cx="8277225" cy="646331"/>
           </a:xfrm>
           <a:prstGeom prst="rect">
             <a:avLst/>
@@ -4173,7 +4245,7 @@
           <a:p>
             <a:pPr algn="ctr"/>
             <a:r>
-              <a:rPr lang="en-US" sz="3200" b="1" dirty="0">
+              <a:rPr lang="en-US" sz="3600" b="1" dirty="0">
                 <a:solidFill>
                   <a:schemeClr val="bg1"/>
                 </a:solidFill>
@@ -4183,6 +4255,14 @@
               </a:rPr>
               <a:t>Results</a:t>
             </a:r>
+            <a:endParaRPr lang="en-US" sz="3200" b="1" dirty="0">
+              <a:solidFill>
+                <a:schemeClr val="bg1"/>
+              </a:solidFill>
+              <a:latin typeface="Open Sans" panose="020B0606030504020204" pitchFamily="34" charset="0"/>
+              <a:ea typeface="Open Sans" panose="020B0606030504020204" pitchFamily="34" charset="0"/>
+              <a:cs typeface="Open Sans" panose="020B0606030504020204" pitchFamily="34" charset="0"/>
+            </a:endParaRPr>
           </a:p>
         </p:txBody>
       </p:sp>
@@ -4321,7 +4401,7 @@
         <p:spPr>
           <a:xfrm>
             <a:off x="34709407" y="3650100"/>
-            <a:ext cx="8277225" cy="584775"/>
+            <a:ext cx="8277225" cy="646331"/>
           </a:xfrm>
           <a:prstGeom prst="rect">
             <a:avLst/>
@@ -4338,7 +4418,7 @@
           <a:p>
             <a:pPr algn="ctr"/>
             <a:r>
-              <a:rPr lang="en-US" sz="3200" b="1" dirty="0">
+              <a:rPr lang="en-US" sz="3600" b="1" dirty="0">
                 <a:solidFill>
                   <a:schemeClr val="bg1"/>
                 </a:solidFill>
@@ -4348,6 +4428,14 @@
               </a:rPr>
               <a:t>Challenges</a:t>
             </a:r>
+            <a:endParaRPr lang="en-US" sz="3200" b="1" dirty="0">
+              <a:solidFill>
+                <a:schemeClr val="bg1"/>
+              </a:solidFill>
+              <a:latin typeface="Open Sans" panose="020B0606030504020204" pitchFamily="34" charset="0"/>
+              <a:ea typeface="Open Sans" panose="020B0606030504020204" pitchFamily="34" charset="0"/>
+              <a:cs typeface="Open Sans" panose="020B0606030504020204" pitchFamily="34" charset="0"/>
+            </a:endParaRPr>
           </a:p>
         </p:txBody>
       </p:sp>
@@ -4442,7 +4530,7 @@
         <p:spPr>
           <a:xfrm>
             <a:off x="34713094" y="11080463"/>
-            <a:ext cx="8277225" cy="584775"/>
+            <a:ext cx="8277225" cy="646331"/>
           </a:xfrm>
           <a:prstGeom prst="rect">
             <a:avLst/>
@@ -4459,7 +4547,7 @@
           <a:p>
             <a:pPr algn="ctr"/>
             <a:r>
-              <a:rPr lang="en-US" sz="3200" b="1" dirty="0">
+              <a:rPr lang="en-US" sz="3600" b="1" dirty="0">
                 <a:solidFill>
                   <a:schemeClr val="bg1"/>
                 </a:solidFill>
@@ -4469,6 +4557,14 @@
               </a:rPr>
               <a:t>Limitations</a:t>
             </a:r>
+            <a:endParaRPr lang="en-US" sz="3200" b="1" dirty="0">
+              <a:solidFill>
+                <a:schemeClr val="bg1"/>
+              </a:solidFill>
+              <a:latin typeface="Open Sans" panose="020B0606030504020204" pitchFamily="34" charset="0"/>
+              <a:ea typeface="Open Sans" panose="020B0606030504020204" pitchFamily="34" charset="0"/>
+              <a:cs typeface="Open Sans" panose="020B0606030504020204" pitchFamily="34" charset="0"/>
+            </a:endParaRPr>
           </a:p>
         </p:txBody>
       </p:sp>
@@ -4543,7 +4639,7 @@
         <p:spPr>
           <a:xfrm>
             <a:off x="872112" y="20687715"/>
-            <a:ext cx="14643381" cy="584775"/>
+            <a:ext cx="14643381" cy="646331"/>
           </a:xfrm>
           <a:prstGeom prst="rect">
             <a:avLst/>
@@ -4560,7 +4656,7 @@
           <a:p>
             <a:pPr algn="ctr"/>
             <a:r>
-              <a:rPr lang="en-US" sz="3200" b="1" dirty="0">
+              <a:rPr lang="en-US" sz="3600" b="1" dirty="0">
                 <a:solidFill>
                   <a:schemeClr val="bg1"/>
                 </a:solidFill>
@@ -4570,6 +4666,14 @@
               </a:rPr>
               <a:t>Methods</a:t>
             </a:r>
+            <a:endParaRPr lang="en-US" sz="3200" b="1" dirty="0">
+              <a:solidFill>
+                <a:schemeClr val="bg1"/>
+              </a:solidFill>
+              <a:latin typeface="Open Sans" panose="020B0606030504020204" pitchFamily="34" charset="0"/>
+              <a:ea typeface="Open Sans" panose="020B0606030504020204" pitchFamily="34" charset="0"/>
+              <a:cs typeface="Open Sans" panose="020B0606030504020204" pitchFamily="34" charset="0"/>
+            </a:endParaRPr>
           </a:p>
         </p:txBody>
       </p:sp>
@@ -4784,7 +4888,7 @@
         <p:spPr>
           <a:xfrm>
             <a:off x="16170004" y="3657599"/>
-            <a:ext cx="17889767" cy="584775"/>
+            <a:ext cx="17889767" cy="646331"/>
           </a:xfrm>
           <a:prstGeom prst="rect">
             <a:avLst/>
@@ -4801,7 +4905,7 @@
           <a:p>
             <a:pPr algn="ctr"/>
             <a:r>
-              <a:rPr lang="en-US" sz="3200" b="1" dirty="0">
+              <a:rPr lang="en-US" sz="3600" b="1" dirty="0">
                 <a:solidFill>
                   <a:schemeClr val="bg1"/>
                 </a:solidFill>
@@ -4829,7 +4933,7 @@
         <p:spPr>
           <a:xfrm>
             <a:off x="16170004" y="17995702"/>
-            <a:ext cx="17889767" cy="584775"/>
+            <a:ext cx="17889767" cy="646331"/>
           </a:xfrm>
           <a:prstGeom prst="rect">
             <a:avLst/>
@@ -4846,7 +4950,7 @@
           <a:p>
             <a:pPr algn="ctr"/>
             <a:r>
-              <a:rPr lang="en-US" sz="3200" b="1" dirty="0">
+              <a:rPr lang="en-US" sz="3600" b="1" dirty="0">
                 <a:solidFill>
                   <a:schemeClr val="bg1"/>
                 </a:solidFill>
@@ -4874,7 +4978,7 @@
         <p:spPr>
           <a:xfrm>
             <a:off x="34741864" y="29166924"/>
-            <a:ext cx="8277225" cy="584775"/>
+            <a:ext cx="8277225" cy="646331"/>
           </a:xfrm>
           <a:prstGeom prst="rect">
             <a:avLst/>
@@ -4891,7 +4995,7 @@
           <a:p>
             <a:pPr algn="ctr"/>
             <a:r>
-              <a:rPr lang="en-US" sz="3200" b="1" dirty="0">
+              <a:rPr lang="en-US" sz="3600" b="1" dirty="0">
                 <a:solidFill>
                   <a:schemeClr val="bg1"/>
                 </a:solidFill>
@@ -4901,6 +5005,14 @@
               </a:rPr>
               <a:t>Acknowledgements</a:t>
             </a:r>
+            <a:endParaRPr lang="en-US" sz="3200" b="1" dirty="0">
+              <a:solidFill>
+                <a:schemeClr val="bg1"/>
+              </a:solidFill>
+              <a:latin typeface="Open Sans" panose="020B0606030504020204" pitchFamily="34" charset="0"/>
+              <a:ea typeface="Open Sans" panose="020B0606030504020204" pitchFamily="34" charset="0"/>
+              <a:cs typeface="Open Sans" panose="020B0606030504020204" pitchFamily="34" charset="0"/>
+            </a:endParaRPr>
           </a:p>
         </p:txBody>
       </p:sp>
@@ -18521,7 +18633,7 @@
           <p:nvPr>
             <p:extLst>
               <p:ext uri="{D42A27DB-BD31-4B8C-83A1-F6EECF244321}">
-                <p14:modId xmlns:p14="http://schemas.microsoft.com/office/powerpoint/2010/main" val="1773517312"/>
+                <p14:modId xmlns:p14="http://schemas.microsoft.com/office/powerpoint/2010/main" val="896947648"/>
               </p:ext>
             </p:extLst>
           </p:nvPr>
@@ -18534,7 +18646,7 @@
           <a:graphicData uri="http://schemas.openxmlformats.org/drawingml/2006/table">
             <a:tbl>
               <a:tblPr firstRow="1" firstCol="1" bandRow="1">
-                <a:tableStyleId>{5C22544A-7EE6-4342-B048-85BDC9FD1C3A}</a:tableStyleId>
+                <a:tableStyleId>{C083E6E3-FA7D-4D7B-A595-EF9225AFEA82}</a:tableStyleId>
               </a:tblPr>
               <a:tblGrid>
                 <a:gridCol w="2759737">
@@ -18588,12 +18700,12 @@
                         </a:spcAft>
                       </a:pPr>
                       <a:r>
-                        <a:rPr lang="en-US" sz="4800" cap="all" dirty="0">
+                        <a:rPr lang="en-US" sz="4200" cap="all" dirty="0">
                           <a:effectLst/>
                         </a:rPr>
                         <a:t> </a:t>
                       </a:r>
-                      <a:endParaRPr lang="en-US" sz="4000" dirty="0">
+                      <a:endParaRPr lang="en-US" sz="4200" dirty="0">
                         <a:effectLst/>
                         <a:latin typeface="Times New Roman" panose="02020603050405020304" pitchFamily="18" charset="0"/>
                         <a:ea typeface="Times New Roman" panose="02020603050405020304" pitchFamily="18" charset="0"/>
@@ -18601,7 +18713,17 @@
                       </a:endParaRPr>
                     </a:p>
                   </a:txBody>
-                  <a:tcPr marL="68580" marR="68580" marT="0" marB="0"/>
+                  <a:tcPr marL="68580" marR="68580" marT="0" marB="0">
+                    <a:lnR w="12700" cap="flat" cmpd="sng" algn="ctr">
+                      <a:solidFill>
+                        <a:schemeClr val="tx1"/>
+                      </a:solidFill>
+                      <a:prstDash val="solid"/>
+                      <a:round/>
+                      <a:headEnd type="none" w="med" len="med"/>
+                      <a:tailEnd type="none" w="med" len="med"/>
+                    </a:lnR>
+                  </a:tcPr>
                 </a:tc>
                 <a:tc>
                   <a:txBody>
@@ -18617,12 +18739,12 @@
                         </a:spcAft>
                       </a:pPr>
                       <a:r>
-                        <a:rPr lang="en-US" sz="4800" cap="all" dirty="0">
+                        <a:rPr lang="en-US" sz="4200" cap="all" dirty="0">
                           <a:effectLst/>
                         </a:rPr>
                         <a:t>F1 score</a:t>
                       </a:r>
-                      <a:endParaRPr lang="en-US" sz="4000" dirty="0">
+                      <a:endParaRPr lang="en-US" sz="4200" dirty="0">
                         <a:effectLst/>
                         <a:latin typeface="Times New Roman" panose="02020603050405020304" pitchFamily="18" charset="0"/>
                         <a:ea typeface="Times New Roman" panose="02020603050405020304" pitchFamily="18" charset="0"/>
@@ -18630,7 +18752,17 @@
                       </a:endParaRPr>
                     </a:p>
                   </a:txBody>
-                  <a:tcPr marL="68580" marR="68580" marT="0" marB="0"/>
+                  <a:tcPr marL="68580" marR="68580" marT="0" marB="0">
+                    <a:lnL w="12700" cap="flat" cmpd="sng" algn="ctr">
+                      <a:solidFill>
+                        <a:schemeClr val="tx1"/>
+                      </a:solidFill>
+                      <a:prstDash val="solid"/>
+                      <a:round/>
+                      <a:headEnd type="none" w="med" len="med"/>
+                      <a:tailEnd type="none" w="med" len="med"/>
+                    </a:lnL>
+                  </a:tcPr>
                 </a:tc>
                 <a:tc>
                   <a:txBody>
@@ -18646,12 +18778,12 @@
                         </a:spcAft>
                       </a:pPr>
                       <a:r>
-                        <a:rPr lang="en-US" sz="4800" cap="all" dirty="0">
+                        <a:rPr lang="en-US" sz="4200" cap="all" dirty="0">
                           <a:effectLst/>
                         </a:rPr>
                         <a:t>Accuracy</a:t>
                       </a:r>
-                      <a:endParaRPr lang="en-US" sz="4000" dirty="0">
+                      <a:endParaRPr lang="en-US" sz="4200" dirty="0">
                         <a:effectLst/>
                         <a:latin typeface="Times New Roman" panose="02020603050405020304" pitchFamily="18" charset="0"/>
                         <a:ea typeface="Times New Roman" panose="02020603050405020304" pitchFamily="18" charset="0"/>
@@ -18675,12 +18807,12 @@
                         </a:spcAft>
                       </a:pPr>
                       <a:r>
-                        <a:rPr lang="en-US" sz="4800" cap="all">
+                        <a:rPr lang="en-US" sz="4200" cap="all" dirty="0">
                           <a:effectLst/>
                         </a:rPr>
                         <a:t>FNR</a:t>
                       </a:r>
-                      <a:endParaRPr lang="en-US" sz="4000">
+                      <a:endParaRPr lang="en-US" sz="4200" dirty="0">
                         <a:effectLst/>
                         <a:latin typeface="Times New Roman" panose="02020603050405020304" pitchFamily="18" charset="0"/>
                         <a:ea typeface="Times New Roman" panose="02020603050405020304" pitchFamily="18" charset="0"/>
@@ -18704,12 +18836,12 @@
                         </a:spcAft>
                       </a:pPr>
                       <a:r>
-                        <a:rPr lang="en-US" sz="4800" cap="all" dirty="0">
+                        <a:rPr lang="en-US" sz="4200" cap="all" dirty="0">
                           <a:effectLst/>
                         </a:rPr>
                         <a:t>FPR</a:t>
                       </a:r>
-                      <a:endParaRPr lang="en-US" sz="4000" dirty="0">
+                      <a:endParaRPr lang="en-US" sz="4200" dirty="0">
                         <a:effectLst/>
                         <a:latin typeface="Times New Roman" panose="02020603050405020304" pitchFamily="18" charset="0"/>
                         <a:ea typeface="Times New Roman" panose="02020603050405020304" pitchFamily="18" charset="0"/>
@@ -18740,12 +18872,12 @@
                         </a:spcAft>
                       </a:pPr>
                       <a:r>
-                        <a:rPr lang="en-US" sz="4800" cap="all" dirty="0">
+                        <a:rPr lang="en-US" sz="4200" cap="all" dirty="0">
                           <a:effectLst/>
                         </a:rPr>
                         <a:t>DWT5</a:t>
                       </a:r>
-                      <a:endParaRPr lang="en-US" sz="4000" dirty="0">
+                      <a:endParaRPr lang="en-US" sz="4200" dirty="0">
                         <a:effectLst/>
                         <a:latin typeface="Times New Roman" panose="02020603050405020304" pitchFamily="18" charset="0"/>
                         <a:ea typeface="Times New Roman" panose="02020603050405020304" pitchFamily="18" charset="0"/>
@@ -18753,7 +18885,17 @@
                       </a:endParaRPr>
                     </a:p>
                   </a:txBody>
-                  <a:tcPr marL="68580" marR="68580" marT="0" marB="0"/>
+                  <a:tcPr marL="68580" marR="68580" marT="0" marB="0">
+                    <a:lnR w="12700" cap="flat" cmpd="sng" algn="ctr">
+                      <a:solidFill>
+                        <a:schemeClr val="tx1"/>
+                      </a:solidFill>
+                      <a:prstDash val="solid"/>
+                      <a:round/>
+                      <a:headEnd type="none" w="med" len="med"/>
+                      <a:tailEnd type="none" w="med" len="med"/>
+                    </a:lnR>
+                  </a:tcPr>
                 </a:tc>
                 <a:tc>
                   <a:txBody>
@@ -18769,12 +18911,12 @@
                         </a:spcAft>
                       </a:pPr>
                       <a:r>
-                        <a:rPr lang="en-US" sz="4000" dirty="0">
+                        <a:rPr lang="en-US" sz="4200" dirty="0">
                           <a:effectLst/>
                         </a:rPr>
                         <a:t>93.4%</a:t>
                       </a:r>
-                      <a:endParaRPr lang="en-US" sz="4000" dirty="0">
+                      <a:endParaRPr lang="en-US" sz="4200" dirty="0">
                         <a:effectLst/>
                         <a:latin typeface="Times New Roman" panose="02020603050405020304" pitchFamily="18" charset="0"/>
                         <a:ea typeface="Times New Roman" panose="02020603050405020304" pitchFamily="18" charset="0"/>
@@ -18782,7 +18924,17 @@
                       </a:endParaRPr>
                     </a:p>
                   </a:txBody>
-                  <a:tcPr marL="68580" marR="68580" marT="0" marB="0"/>
+                  <a:tcPr marL="68580" marR="68580" marT="0" marB="0">
+                    <a:lnL w="12700" cap="flat" cmpd="sng" algn="ctr">
+                      <a:solidFill>
+                        <a:schemeClr val="tx1"/>
+                      </a:solidFill>
+                      <a:prstDash val="solid"/>
+                      <a:round/>
+                      <a:headEnd type="none" w="med" len="med"/>
+                      <a:tailEnd type="none" w="med" len="med"/>
+                    </a:lnL>
+                  </a:tcPr>
                 </a:tc>
                 <a:tc>
                   <a:txBody>
@@ -18798,12 +18950,12 @@
                         </a:spcAft>
                       </a:pPr>
                       <a:r>
-                        <a:rPr lang="en-US" sz="4000" dirty="0">
+                        <a:rPr lang="en-US" sz="4200" dirty="0">
                           <a:effectLst/>
                         </a:rPr>
                         <a:t>93.6%</a:t>
                       </a:r>
-                      <a:endParaRPr lang="en-US" sz="4000" dirty="0">
+                      <a:endParaRPr lang="en-US" sz="4200" dirty="0">
                         <a:effectLst/>
                         <a:latin typeface="Times New Roman" panose="02020603050405020304" pitchFamily="18" charset="0"/>
                         <a:ea typeface="Times New Roman" panose="02020603050405020304" pitchFamily="18" charset="0"/>
@@ -18827,12 +18979,12 @@
                         </a:spcAft>
                       </a:pPr>
                       <a:r>
-                        <a:rPr lang="en-US" sz="4000">
+                        <a:rPr lang="en-US" sz="4200" dirty="0">
                           <a:effectLst/>
                         </a:rPr>
                         <a:t>10.4%</a:t>
                       </a:r>
-                      <a:endParaRPr lang="en-US" sz="4000">
+                      <a:endParaRPr lang="en-US" sz="4200" dirty="0">
                         <a:effectLst/>
                         <a:latin typeface="Times New Roman" panose="02020603050405020304" pitchFamily="18" charset="0"/>
                         <a:ea typeface="Times New Roman" panose="02020603050405020304" pitchFamily="18" charset="0"/>
@@ -18856,12 +19008,12 @@
                         </a:spcAft>
                       </a:pPr>
                       <a:r>
-                        <a:rPr lang="en-US" sz="4000">
+                        <a:rPr lang="en-US" sz="4200" dirty="0">
                           <a:effectLst/>
                         </a:rPr>
                         <a:t>2.4%</a:t>
                       </a:r>
-                      <a:endParaRPr lang="en-US" sz="4000">
+                      <a:endParaRPr lang="en-US" sz="4200" dirty="0">
                         <a:effectLst/>
                         <a:latin typeface="Times New Roman" panose="02020603050405020304" pitchFamily="18" charset="0"/>
                         <a:ea typeface="Times New Roman" panose="02020603050405020304" pitchFamily="18" charset="0"/>
@@ -18892,12 +19044,12 @@
                         </a:spcAft>
                       </a:pPr>
                       <a:r>
-                        <a:rPr lang="en-US" sz="4800" cap="all" dirty="0">
+                        <a:rPr lang="en-US" sz="4200" cap="all" dirty="0">
                           <a:effectLst/>
                         </a:rPr>
                         <a:t>DWT4</a:t>
                       </a:r>
-                      <a:endParaRPr lang="en-US" sz="4000" dirty="0">
+                      <a:endParaRPr lang="en-US" sz="4200" dirty="0">
                         <a:effectLst/>
                         <a:latin typeface="Times New Roman" panose="02020603050405020304" pitchFamily="18" charset="0"/>
                         <a:ea typeface="Times New Roman" panose="02020603050405020304" pitchFamily="18" charset="0"/>
@@ -18905,7 +19057,17 @@
                       </a:endParaRPr>
                     </a:p>
                   </a:txBody>
-                  <a:tcPr marL="68580" marR="68580" marT="0" marB="0"/>
+                  <a:tcPr marL="68580" marR="68580" marT="0" marB="0">
+                    <a:lnR w="12700" cap="flat" cmpd="sng" algn="ctr">
+                      <a:solidFill>
+                        <a:schemeClr val="tx1"/>
+                      </a:solidFill>
+                      <a:prstDash val="solid"/>
+                      <a:round/>
+                      <a:headEnd type="none" w="med" len="med"/>
+                      <a:tailEnd type="none" w="med" len="med"/>
+                    </a:lnR>
+                  </a:tcPr>
                 </a:tc>
                 <a:tc>
                   <a:txBody>
@@ -18921,12 +19083,12 @@
                         </a:spcAft>
                       </a:pPr>
                       <a:r>
-                        <a:rPr lang="en-US" sz="4000" dirty="0">
+                        <a:rPr lang="en-US" sz="4200" dirty="0">
                           <a:effectLst/>
                         </a:rPr>
                         <a:t>93.6%</a:t>
                       </a:r>
-                      <a:endParaRPr lang="en-US" sz="4000" dirty="0">
+                      <a:endParaRPr lang="en-US" sz="4200" dirty="0">
                         <a:effectLst/>
                         <a:latin typeface="Times New Roman" panose="02020603050405020304" pitchFamily="18" charset="0"/>
                         <a:ea typeface="Times New Roman" panose="02020603050405020304" pitchFamily="18" charset="0"/>
@@ -18934,7 +19096,17 @@
                       </a:endParaRPr>
                     </a:p>
                   </a:txBody>
-                  <a:tcPr marL="68580" marR="68580" marT="0" marB="0"/>
+                  <a:tcPr marL="68580" marR="68580" marT="0" marB="0">
+                    <a:lnL w="12700" cap="flat" cmpd="sng" algn="ctr">
+                      <a:solidFill>
+                        <a:schemeClr val="tx1"/>
+                      </a:solidFill>
+                      <a:prstDash val="solid"/>
+                      <a:round/>
+                      <a:headEnd type="none" w="med" len="med"/>
+                      <a:tailEnd type="none" w="med" len="med"/>
+                    </a:lnL>
+                  </a:tcPr>
                 </a:tc>
                 <a:tc>
                   <a:txBody>
@@ -18950,12 +19122,12 @@
                         </a:spcAft>
                       </a:pPr>
                       <a:r>
-                        <a:rPr lang="en-US" sz="4000" dirty="0">
+                        <a:rPr lang="en-US" sz="4200" dirty="0">
                           <a:effectLst/>
                         </a:rPr>
                         <a:t>93.8%</a:t>
                       </a:r>
-                      <a:endParaRPr lang="en-US" sz="4000" dirty="0">
+                      <a:endParaRPr lang="en-US" sz="4200" dirty="0">
                         <a:effectLst/>
                         <a:latin typeface="Times New Roman" panose="02020603050405020304" pitchFamily="18" charset="0"/>
                         <a:ea typeface="Times New Roman" panose="02020603050405020304" pitchFamily="18" charset="0"/>
@@ -18979,12 +19151,12 @@
                         </a:spcAft>
                       </a:pPr>
                       <a:r>
-                        <a:rPr lang="en-US" sz="4000" dirty="0">
+                        <a:rPr lang="en-US" sz="4200" dirty="0">
                           <a:effectLst/>
                         </a:rPr>
                         <a:t>10.1%</a:t>
                       </a:r>
-                      <a:endParaRPr lang="en-US" sz="4000" dirty="0">
+                      <a:endParaRPr lang="en-US" sz="4200" dirty="0">
                         <a:effectLst/>
                         <a:latin typeface="Times New Roman" panose="02020603050405020304" pitchFamily="18" charset="0"/>
                         <a:ea typeface="Times New Roman" panose="02020603050405020304" pitchFamily="18" charset="0"/>
@@ -19008,12 +19180,12 @@
                         </a:spcAft>
                       </a:pPr>
                       <a:r>
-                        <a:rPr lang="en-US" sz="4000">
+                        <a:rPr lang="en-US" sz="4200" dirty="0">
                           <a:effectLst/>
                         </a:rPr>
                         <a:t>2.2%</a:t>
                       </a:r>
-                      <a:endParaRPr lang="en-US" sz="4000">
+                      <a:endParaRPr lang="en-US" sz="4200" dirty="0">
                         <a:effectLst/>
                         <a:latin typeface="Times New Roman" panose="02020603050405020304" pitchFamily="18" charset="0"/>
                         <a:ea typeface="Times New Roman" panose="02020603050405020304" pitchFamily="18" charset="0"/>
@@ -19044,12 +19216,12 @@
                         </a:spcAft>
                       </a:pPr>
                       <a:r>
-                        <a:rPr lang="en-US" sz="4800" cap="all">
+                        <a:rPr lang="en-US" sz="4200" cap="all" dirty="0">
                           <a:effectLst/>
                         </a:rPr>
                         <a:t>CEP26</a:t>
                       </a:r>
-                      <a:endParaRPr lang="en-US" sz="4000">
+                      <a:endParaRPr lang="en-US" sz="4200" dirty="0">
                         <a:effectLst/>
                         <a:latin typeface="Times New Roman" panose="02020603050405020304" pitchFamily="18" charset="0"/>
                         <a:ea typeface="Times New Roman" panose="02020603050405020304" pitchFamily="18" charset="0"/>
@@ -19057,7 +19229,17 @@
                       </a:endParaRPr>
                     </a:p>
                   </a:txBody>
-                  <a:tcPr marL="68580" marR="68580" marT="0" marB="0"/>
+                  <a:tcPr marL="68580" marR="68580" marT="0" marB="0">
+                    <a:lnR w="12700" cap="flat" cmpd="sng" algn="ctr">
+                      <a:solidFill>
+                        <a:schemeClr val="tx1"/>
+                      </a:solidFill>
+                      <a:prstDash val="solid"/>
+                      <a:round/>
+                      <a:headEnd type="none" w="med" len="med"/>
+                      <a:tailEnd type="none" w="med" len="med"/>
+                    </a:lnR>
+                  </a:tcPr>
                 </a:tc>
                 <a:tc>
                   <a:txBody>
@@ -19073,12 +19255,12 @@
                         </a:spcAft>
                       </a:pPr>
                       <a:r>
-                        <a:rPr lang="en-US" sz="4000">
+                        <a:rPr lang="en-US" sz="4200">
                           <a:effectLst/>
                         </a:rPr>
                         <a:t>93.6%</a:t>
                       </a:r>
-                      <a:endParaRPr lang="en-US" sz="4000">
+                      <a:endParaRPr lang="en-US" sz="4200">
                         <a:effectLst/>
                         <a:latin typeface="Times New Roman" panose="02020603050405020304" pitchFamily="18" charset="0"/>
                         <a:ea typeface="Times New Roman" panose="02020603050405020304" pitchFamily="18" charset="0"/>
@@ -19086,7 +19268,17 @@
                       </a:endParaRPr>
                     </a:p>
                   </a:txBody>
-                  <a:tcPr marL="68580" marR="68580" marT="0" marB="0"/>
+                  <a:tcPr marL="68580" marR="68580" marT="0" marB="0">
+                    <a:lnL w="12700" cap="flat" cmpd="sng" algn="ctr">
+                      <a:solidFill>
+                        <a:schemeClr val="tx1"/>
+                      </a:solidFill>
+                      <a:prstDash val="solid"/>
+                      <a:round/>
+                      <a:headEnd type="none" w="med" len="med"/>
+                      <a:tailEnd type="none" w="med" len="med"/>
+                    </a:lnL>
+                  </a:tcPr>
                 </a:tc>
                 <a:tc>
                   <a:txBody>
@@ -19102,12 +19294,12 @@
                         </a:spcAft>
                       </a:pPr>
                       <a:r>
-                        <a:rPr lang="en-US" sz="4000">
+                        <a:rPr lang="en-US" sz="4200">
                           <a:effectLst/>
                         </a:rPr>
                         <a:t>93.9%</a:t>
                       </a:r>
-                      <a:endParaRPr lang="en-US" sz="4000">
+                      <a:endParaRPr lang="en-US" sz="4200">
                         <a:effectLst/>
                         <a:latin typeface="Times New Roman" panose="02020603050405020304" pitchFamily="18" charset="0"/>
                         <a:ea typeface="Times New Roman" panose="02020603050405020304" pitchFamily="18" charset="0"/>
@@ -19131,12 +19323,12 @@
                         </a:spcAft>
                       </a:pPr>
                       <a:r>
-                        <a:rPr lang="en-US" sz="4000" dirty="0">
+                        <a:rPr lang="en-US" sz="4200" dirty="0">
                           <a:effectLst/>
                         </a:rPr>
                         <a:t>10.3%</a:t>
                       </a:r>
-                      <a:endParaRPr lang="en-US" sz="4000" dirty="0">
+                      <a:endParaRPr lang="en-US" sz="4200" dirty="0">
                         <a:effectLst/>
                         <a:latin typeface="Times New Roman" panose="02020603050405020304" pitchFamily="18" charset="0"/>
                         <a:ea typeface="Times New Roman" panose="02020603050405020304" pitchFamily="18" charset="0"/>
@@ -19160,12 +19352,12 @@
                         </a:spcAft>
                       </a:pPr>
                       <a:r>
-                        <a:rPr lang="en-US" sz="4000" dirty="0">
+                        <a:rPr lang="en-US" sz="4200" dirty="0">
                           <a:effectLst/>
                         </a:rPr>
                         <a:t>1.9%</a:t>
                       </a:r>
-                      <a:endParaRPr lang="en-US" sz="4000" dirty="0">
+                      <a:endParaRPr lang="en-US" sz="4200" dirty="0">
                         <a:effectLst/>
                         <a:latin typeface="Times New Roman" panose="02020603050405020304" pitchFamily="18" charset="0"/>
                         <a:ea typeface="Times New Roman" panose="02020603050405020304" pitchFamily="18" charset="0"/>
@@ -19757,7 +19949,7 @@
         <p:spPr>
           <a:xfrm>
             <a:off x="34749291" y="23141018"/>
-            <a:ext cx="8277225" cy="584775"/>
+            <a:ext cx="8277225" cy="646331"/>
           </a:xfrm>
           <a:prstGeom prst="rect">
             <a:avLst/>
@@ -19774,7 +19966,7 @@
           <a:p>
             <a:pPr algn="ctr"/>
             <a:r>
-              <a:rPr lang="en-US" sz="3200" b="1" dirty="0">
+              <a:rPr lang="en-US" sz="3600" b="1" dirty="0">
                 <a:solidFill>
                   <a:schemeClr val="bg1"/>
                 </a:solidFill>
@@ -19784,6 +19976,14 @@
               </a:rPr>
               <a:t>Recommendations</a:t>
             </a:r>
+            <a:endParaRPr lang="en-US" sz="3200" b="1" dirty="0">
+              <a:solidFill>
+                <a:schemeClr val="bg1"/>
+              </a:solidFill>
+              <a:latin typeface="Open Sans" panose="020B0606030504020204" pitchFamily="34" charset="0"/>
+              <a:ea typeface="Open Sans" panose="020B0606030504020204" pitchFamily="34" charset="0"/>
+              <a:cs typeface="Open Sans" panose="020B0606030504020204" pitchFamily="34" charset="0"/>
+            </a:endParaRPr>
           </a:p>
         </p:txBody>
       </p:sp>
